--- a/CSEM Building block LiNb.pptx
+++ b/CSEM Building block LiNb.pptx
@@ -173,7 +173,7 @@
   <pc:docChgLst>
     <pc:chgData name="LEO Jacopo Maria" userId="665b09db-13aa-43ca-b6b5-4bcff6034c2e" providerId="ADAL" clId="{57998582-5903-4B0E-A9B9-6D107323BEDE}"/>
     <pc:docChg chg="undo custSel addSld modSld">
-      <pc:chgData name="LEO Jacopo Maria" userId="665b09db-13aa-43ca-b6b5-4bcff6034c2e" providerId="ADAL" clId="{57998582-5903-4B0E-A9B9-6D107323BEDE}" dt="2022-07-07T13:24:01.568" v="1238" actId="20577"/>
+      <pc:chgData name="LEO Jacopo Maria" userId="665b09db-13aa-43ca-b6b5-4bcff6034c2e" providerId="ADAL" clId="{57998582-5903-4B0E-A9B9-6D107323BEDE}" dt="2022-07-08T08:02:57.401" v="1242" actId="14100"/>
       <pc:docMkLst>
         <pc:docMk/>
       </pc:docMkLst>
@@ -1233,7 +1233,7 @@
         </pc:cxnChg>
       </pc:sldChg>
       <pc:sldChg chg="addSp delSp modSp new mod">
-        <pc:chgData name="LEO Jacopo Maria" userId="665b09db-13aa-43ca-b6b5-4bcff6034c2e" providerId="ADAL" clId="{57998582-5903-4B0E-A9B9-6D107323BEDE}" dt="2022-07-07T11:13:28.998" v="954" actId="20577"/>
+        <pc:chgData name="LEO Jacopo Maria" userId="665b09db-13aa-43ca-b6b5-4bcff6034c2e" providerId="ADAL" clId="{57998582-5903-4B0E-A9B9-6D107323BEDE}" dt="2022-07-08T08:02:57.401" v="1242" actId="14100"/>
         <pc:sldMkLst>
           <pc:docMk/>
           <pc:sldMk cId="482086149" sldId="533"/>
@@ -1343,7 +1343,7 @@
           </ac:picMkLst>
         </pc:picChg>
         <pc:cxnChg chg="add mod">
-          <ac:chgData name="LEO Jacopo Maria" userId="665b09db-13aa-43ca-b6b5-4bcff6034c2e" providerId="ADAL" clId="{57998582-5903-4B0E-A9B9-6D107323BEDE}" dt="2022-07-07T11:09:01.163" v="780" actId="14100"/>
+          <ac:chgData name="LEO Jacopo Maria" userId="665b09db-13aa-43ca-b6b5-4bcff6034c2e" providerId="ADAL" clId="{57998582-5903-4B0E-A9B9-6D107323BEDE}" dt="2022-07-08T08:02:52.614" v="1240" actId="14100"/>
           <ac:cxnSpMkLst>
             <pc:docMk/>
             <pc:sldMk cId="482086149" sldId="533"/>
@@ -1351,7 +1351,7 @@
           </ac:cxnSpMkLst>
         </pc:cxnChg>
         <pc:cxnChg chg="add mod">
-          <ac:chgData name="LEO Jacopo Maria" userId="665b09db-13aa-43ca-b6b5-4bcff6034c2e" providerId="ADAL" clId="{57998582-5903-4B0E-A9B9-6D107323BEDE}" dt="2022-07-07T11:09:38.271" v="792" actId="1076"/>
+          <ac:chgData name="LEO Jacopo Maria" userId="665b09db-13aa-43ca-b6b5-4bcff6034c2e" providerId="ADAL" clId="{57998582-5903-4B0E-A9B9-6D107323BEDE}" dt="2022-07-08T08:02:57.401" v="1242" actId="14100"/>
           <ac:cxnSpMkLst>
             <pc:docMk/>
             <pc:sldMk cId="482086149" sldId="533"/>
@@ -1463,7 +1463,7 @@
           <a:p>
             <a:fld id="{F409E9C0-0B42-4280-966A-DC185D8783E2}" type="datetimeFigureOut">
               <a:rPr lang="en-US" smtClean="0"/>
-              <a:t>7/7/2022</a:t>
+              <a:t>7/8/2022</a:t>
             </a:fld>
             <a:endParaRPr lang="en-US" dirty="0"/>
           </a:p>
@@ -1693,7 +1693,7 @@
           <a:p>
             <a:fld id="{017BD45E-C776-4A59-9C45-01C399D0BF2F}" type="datetimeFigureOut">
               <a:rPr lang="en-US" smtClean="0"/>
-              <a:t>7/7/2022</a:t>
+              <a:t>7/8/2022</a:t>
             </a:fld>
             <a:endParaRPr lang="en-US"/>
           </a:p>
@@ -22070,8 +22070,8 @@
         </p:nvCxnSpPr>
         <p:spPr>
           <a:xfrm>
-            <a:off x="10305570" y="682625"/>
-            <a:ext cx="0" cy="3717925"/>
+            <a:off x="10306050" y="728663"/>
+            <a:ext cx="4763" cy="3600450"/>
           </a:xfrm>
           <a:prstGeom prst="straightConnector1">
             <a:avLst/>
@@ -22167,8 +22167,8 @@
         </p:nvCxnSpPr>
         <p:spPr>
           <a:xfrm flipH="1">
-            <a:off x="7320792" y="3680460"/>
-            <a:ext cx="3733800" cy="0"/>
+            <a:off x="7386638" y="3671888"/>
+            <a:ext cx="3590925" cy="14287"/>
           </a:xfrm>
           <a:prstGeom prst="straightConnector1">
             <a:avLst/>

--- a/CSEM Building block LiNb.pptx
+++ b/CSEM Building block LiNb.pptx
@@ -163,7 +163,7 @@
 <file path=ppt/revisionInfo.xml><?xml version="1.0" encoding="utf-8"?>
 <p1510:revInfo xmlns:a="http://schemas.openxmlformats.org/drawingml/2006/main" xmlns:r="http://schemas.openxmlformats.org/officeDocument/2006/relationships" xmlns:p1510="http://schemas.microsoft.com/office/powerpoint/2015/10/main">
   <p1510:revLst>
-    <p1510:client id="{57998582-5903-4B0E-A9B9-6D107323BEDE}" v="77" dt="2022-07-07T13:00:28.917"/>
+    <p1510:client id="{57998582-5903-4B0E-A9B9-6D107323BEDE}" v="83" dt="2022-07-11T16:31:37.239"/>
   </p1510:revLst>
 </p1510:revInfo>
 </file>
@@ -173,7 +173,7 @@
   <pc:docChgLst>
     <pc:chgData name="LEO Jacopo Maria" userId="665b09db-13aa-43ca-b6b5-4bcff6034c2e" providerId="ADAL" clId="{57998582-5903-4B0E-A9B9-6D107323BEDE}"/>
     <pc:docChg chg="undo custSel addSld modSld">
-      <pc:chgData name="LEO Jacopo Maria" userId="665b09db-13aa-43ca-b6b5-4bcff6034c2e" providerId="ADAL" clId="{57998582-5903-4B0E-A9B9-6D107323BEDE}" dt="2022-07-08T08:02:57.401" v="1242" actId="14100"/>
+      <pc:chgData name="LEO Jacopo Maria" userId="665b09db-13aa-43ca-b6b5-4bcff6034c2e" providerId="ADAL" clId="{57998582-5903-4B0E-A9B9-6D107323BEDE}" dt="2022-07-11T16:32:00.833" v="1304" actId="1076"/>
       <pc:docMkLst>
         <pc:docMk/>
       </pc:docMkLst>
@@ -866,7 +866,7 @@
         </pc:cxnChg>
       </pc:sldChg>
       <pc:sldChg chg="addSp delSp modSp new mod">
-        <pc:chgData name="LEO Jacopo Maria" userId="665b09db-13aa-43ca-b6b5-4bcff6034c2e" providerId="ADAL" clId="{57998582-5903-4B0E-A9B9-6D107323BEDE}" dt="2022-07-07T10:13:26.170" v="689" actId="20577"/>
+        <pc:chgData name="LEO Jacopo Maria" userId="665b09db-13aa-43ca-b6b5-4bcff6034c2e" providerId="ADAL" clId="{57998582-5903-4B0E-A9B9-6D107323BEDE}" dt="2022-07-11T16:32:00.833" v="1304" actId="1076"/>
         <pc:sldMkLst>
           <pc:docMk/>
           <pc:sldMk cId="1045176740" sldId="532"/>
@@ -904,7 +904,7 @@
           </ac:spMkLst>
         </pc:spChg>
         <pc:spChg chg="add mod">
-          <ac:chgData name="LEO Jacopo Maria" userId="665b09db-13aa-43ca-b6b5-4bcff6034c2e" providerId="ADAL" clId="{57998582-5903-4B0E-A9B9-6D107323BEDE}" dt="2022-07-05T13:23:48.013" v="575" actId="790"/>
+          <ac:chgData name="LEO Jacopo Maria" userId="665b09db-13aa-43ca-b6b5-4bcff6034c2e" providerId="ADAL" clId="{57998582-5903-4B0E-A9B9-6D107323BEDE}" dt="2022-07-11T16:31:38.122" v="1293" actId="20577"/>
           <ac:spMkLst>
             <pc:docMk/>
             <pc:sldMk cId="1045176740" sldId="532"/>
@@ -912,7 +912,7 @@
           </ac:spMkLst>
         </pc:spChg>
         <pc:spChg chg="add mod">
-          <ac:chgData name="LEO Jacopo Maria" userId="665b09db-13aa-43ca-b6b5-4bcff6034c2e" providerId="ADAL" clId="{57998582-5903-4B0E-A9B9-6D107323BEDE}" dt="2022-07-05T13:23:48.013" v="575" actId="790"/>
+          <ac:chgData name="LEO Jacopo Maria" userId="665b09db-13aa-43ca-b6b5-4bcff6034c2e" providerId="ADAL" clId="{57998582-5903-4B0E-A9B9-6D107323BEDE}" dt="2022-07-11T16:31:49.359" v="1301" actId="1076"/>
           <ac:spMkLst>
             <pc:docMk/>
             <pc:sldMk cId="1045176740" sldId="532"/>
@@ -928,7 +928,7 @@
           </ac:spMkLst>
         </pc:spChg>
         <pc:spChg chg="add mod">
-          <ac:chgData name="LEO Jacopo Maria" userId="665b09db-13aa-43ca-b6b5-4bcff6034c2e" providerId="ADAL" clId="{57998582-5903-4B0E-A9B9-6D107323BEDE}" dt="2022-07-05T13:36:50.725" v="577" actId="1076"/>
+          <ac:chgData name="LEO Jacopo Maria" userId="665b09db-13aa-43ca-b6b5-4bcff6034c2e" providerId="ADAL" clId="{57998582-5903-4B0E-A9B9-6D107323BEDE}" dt="2022-07-11T16:32:00.833" v="1304" actId="1076"/>
           <ac:spMkLst>
             <pc:docMk/>
             <pc:sldMk cId="1045176740" sldId="532"/>
@@ -999,6 +999,14 @@
             <ac:spMk id="47" creationId="{BDCBFEFB-008C-56D9-B567-D65EBC0E6269}"/>
           </ac:spMkLst>
         </pc:spChg>
+        <pc:spChg chg="add del mod">
+          <ac:chgData name="LEO Jacopo Maria" userId="665b09db-13aa-43ca-b6b5-4bcff6034c2e" providerId="ADAL" clId="{57998582-5903-4B0E-A9B9-6D107323BEDE}" dt="2022-07-11T16:31:42.310" v="1298" actId="478"/>
+          <ac:spMkLst>
+            <pc:docMk/>
+            <pc:sldMk cId="1045176740" sldId="532"/>
+            <ac:spMk id="52" creationId="{FEB762DD-418E-18AB-13A3-FF5675C5A12A}"/>
+          </ac:spMkLst>
+        </pc:spChg>
         <pc:spChg chg="add mod">
           <ac:chgData name="LEO Jacopo Maria" userId="665b09db-13aa-43ca-b6b5-4bcff6034c2e" providerId="ADAL" clId="{57998582-5903-4B0E-A9B9-6D107323BEDE}" dt="2022-07-05T13:23:48.013" v="575" actId="790"/>
           <ac:spMkLst>
@@ -1031,8 +1039,8 @@
             <ac:grpSpMk id="19" creationId="{F7C9824E-1C5A-E064-28A8-C0C92DE133D2}"/>
           </ac:grpSpMkLst>
         </pc:grpChg>
-        <pc:grpChg chg="add mod">
-          <ac:chgData name="LEO Jacopo Maria" userId="665b09db-13aa-43ca-b6b5-4bcff6034c2e" providerId="ADAL" clId="{57998582-5903-4B0E-A9B9-6D107323BEDE}" dt="2022-07-05T13:19:32.508" v="458" actId="1076"/>
+        <pc:grpChg chg="add del mod">
+          <ac:chgData name="LEO Jacopo Maria" userId="665b09db-13aa-43ca-b6b5-4bcff6034c2e" providerId="ADAL" clId="{57998582-5903-4B0E-A9B9-6D107323BEDE}" dt="2022-07-11T11:29:46.724" v="1247" actId="478"/>
           <ac:grpSpMkLst>
             <pc:docMk/>
             <pc:sldMk cId="1045176740" sldId="532"/>
@@ -1055,6 +1063,22 @@
             <ac:grpSpMk id="31" creationId="{622E2D4A-75E7-5519-2DAA-D7FC31C38AB8}"/>
           </ac:grpSpMkLst>
         </pc:grpChg>
+        <pc:grpChg chg="add mod">
+          <ac:chgData name="LEO Jacopo Maria" userId="665b09db-13aa-43ca-b6b5-4bcff6034c2e" providerId="ADAL" clId="{57998582-5903-4B0E-A9B9-6D107323BEDE}" dt="2022-07-11T11:29:50.594" v="1249" actId="1076"/>
+          <ac:grpSpMkLst>
+            <pc:docMk/>
+            <pc:sldMk cId="1045176740" sldId="532"/>
+            <ac:grpSpMk id="48" creationId="{7F703BB6-F942-36D8-8EE8-7CECACC06A80}"/>
+          </ac:grpSpMkLst>
+        </pc:grpChg>
+        <pc:grpChg chg="add del mod">
+          <ac:chgData name="LEO Jacopo Maria" userId="665b09db-13aa-43ca-b6b5-4bcff6034c2e" providerId="ADAL" clId="{57998582-5903-4B0E-A9B9-6D107323BEDE}" dt="2022-07-11T16:31:37.239" v="1289"/>
+          <ac:grpSpMkLst>
+            <pc:docMk/>
+            <pc:sldMk cId="1045176740" sldId="532"/>
+            <ac:grpSpMk id="53" creationId="{E8349592-DAFF-45CA-187D-A3CD434AB073}"/>
+          </ac:grpSpMkLst>
+        </pc:grpChg>
         <pc:picChg chg="add del mod">
           <ac:chgData name="LEO Jacopo Maria" userId="665b09db-13aa-43ca-b6b5-4bcff6034c2e" providerId="ADAL" clId="{57998582-5903-4B0E-A9B9-6D107323BEDE}" dt="2022-07-05T13:17:57.621" v="421" actId="478"/>
           <ac:picMkLst>
@@ -1064,7 +1088,7 @@
           </ac:picMkLst>
         </pc:picChg>
         <pc:picChg chg="add mod ord">
-          <ac:chgData name="LEO Jacopo Maria" userId="665b09db-13aa-43ca-b6b5-4bcff6034c2e" providerId="ADAL" clId="{57998582-5903-4B0E-A9B9-6D107323BEDE}" dt="2022-07-05T13:37:39.133" v="584" actId="167"/>
+          <ac:chgData name="LEO Jacopo Maria" userId="665b09db-13aa-43ca-b6b5-4bcff6034c2e" providerId="ADAL" clId="{57998582-5903-4B0E-A9B9-6D107323BEDE}" dt="2022-07-11T16:31:44.994" v="1300" actId="1076"/>
           <ac:picMkLst>
             <pc:docMk/>
             <pc:sldMk cId="1045176740" sldId="532"/>
@@ -1119,16 +1143,16 @@
             <ac:cxnSpMk id="21" creationId="{DBF1071C-F60A-5F01-DE68-1E462DF855E0}"/>
           </ac:cxnSpMkLst>
         </pc:cxnChg>
-        <pc:cxnChg chg="mod">
-          <ac:chgData name="LEO Jacopo Maria" userId="665b09db-13aa-43ca-b6b5-4bcff6034c2e" providerId="ADAL" clId="{57998582-5903-4B0E-A9B9-6D107323BEDE}" dt="2022-07-05T13:19:40.284" v="462" actId="1076"/>
+        <pc:cxnChg chg="del mod topLvl">
+          <ac:chgData name="LEO Jacopo Maria" userId="665b09db-13aa-43ca-b6b5-4bcff6034c2e" providerId="ADAL" clId="{57998582-5903-4B0E-A9B9-6D107323BEDE}" dt="2022-07-11T11:29:47.666" v="1248" actId="478"/>
           <ac:cxnSpMkLst>
             <pc:docMk/>
             <pc:sldMk cId="1045176740" sldId="532"/>
             <ac:cxnSpMk id="24" creationId="{3EF1F8EE-BE4B-A296-CCF0-263C3B5CA2A4}"/>
           </ac:cxnSpMkLst>
         </pc:cxnChg>
-        <pc:cxnChg chg="mod">
-          <ac:chgData name="LEO Jacopo Maria" userId="665b09db-13aa-43ca-b6b5-4bcff6034c2e" providerId="ADAL" clId="{57998582-5903-4B0E-A9B9-6D107323BEDE}" dt="2022-07-05T13:19:42.871" v="463" actId="1076"/>
+        <pc:cxnChg chg="del mod topLvl">
+          <ac:chgData name="LEO Jacopo Maria" userId="665b09db-13aa-43ca-b6b5-4bcff6034c2e" providerId="ADAL" clId="{57998582-5903-4B0E-A9B9-6D107323BEDE}" dt="2022-07-11T11:29:46.724" v="1247" actId="478"/>
           <ac:cxnSpMkLst>
             <pc:docMk/>
             <pc:sldMk cId="1045176740" sldId="532"/>
@@ -1215,6 +1239,22 @@
             <ac:cxnSpMk id="49" creationId="{3372371E-2286-77FA-297F-6E4FA00C0853}"/>
           </ac:cxnSpMkLst>
         </pc:cxnChg>
+        <pc:cxnChg chg="mod">
+          <ac:chgData name="LEO Jacopo Maria" userId="665b09db-13aa-43ca-b6b5-4bcff6034c2e" providerId="ADAL" clId="{57998582-5903-4B0E-A9B9-6D107323BEDE}" dt="2022-07-11T16:31:59.270" v="1303" actId="1076"/>
+          <ac:cxnSpMkLst>
+            <pc:docMk/>
+            <pc:sldMk cId="1045176740" sldId="532"/>
+            <ac:cxnSpMk id="50" creationId="{663DFFCC-F904-806F-D402-565118B2AC36}"/>
+          </ac:cxnSpMkLst>
+        </pc:cxnChg>
+        <pc:cxnChg chg="mod">
+          <ac:chgData name="LEO Jacopo Maria" userId="665b09db-13aa-43ca-b6b5-4bcff6034c2e" providerId="ADAL" clId="{57998582-5903-4B0E-A9B9-6D107323BEDE}" dt="2022-07-11T16:31:56.300" v="1302" actId="1076"/>
+          <ac:cxnSpMkLst>
+            <pc:docMk/>
+            <pc:sldMk cId="1045176740" sldId="532"/>
+            <ac:cxnSpMk id="51" creationId="{4D1EA3BD-482E-D766-D58F-2903EF81E7D1}"/>
+          </ac:cxnSpMkLst>
+        </pc:cxnChg>
         <pc:cxnChg chg="add del mod">
           <ac:chgData name="LEO Jacopo Maria" userId="665b09db-13aa-43ca-b6b5-4bcff6034c2e" providerId="ADAL" clId="{57998582-5903-4B0E-A9B9-6D107323BEDE}" dt="2022-07-05T13:23:19.456" v="565"/>
           <ac:cxnSpMkLst>
@@ -1223,12 +1263,36 @@
             <ac:cxnSpMk id="54" creationId="{0C9E9F6F-16DD-8C4B-6F12-0ABA0B7DB095}"/>
           </ac:cxnSpMkLst>
         </pc:cxnChg>
+        <pc:cxnChg chg="mod">
+          <ac:chgData name="LEO Jacopo Maria" userId="665b09db-13aa-43ca-b6b5-4bcff6034c2e" providerId="ADAL" clId="{57998582-5903-4B0E-A9B9-6D107323BEDE}" dt="2022-07-11T16:31:37.050" v="1288" actId="1076"/>
+          <ac:cxnSpMkLst>
+            <pc:docMk/>
+            <pc:sldMk cId="1045176740" sldId="532"/>
+            <ac:cxnSpMk id="54" creationId="{CCF6D274-3226-C76B-50B6-50FD16100E1D}"/>
+          </ac:cxnSpMkLst>
+        </pc:cxnChg>
         <pc:cxnChg chg="add mod ord">
           <ac:chgData name="LEO Jacopo Maria" userId="665b09db-13aa-43ca-b6b5-4bcff6034c2e" providerId="ADAL" clId="{57998582-5903-4B0E-A9B9-6D107323BEDE}" dt="2022-07-05T13:37:37.157" v="583" actId="167"/>
           <ac:cxnSpMkLst>
             <pc:docMk/>
             <pc:sldMk cId="1045176740" sldId="532"/>
             <ac:cxnSpMk id="56" creationId="{B343AFE4-8020-961F-BA7C-D5A7C52616EB}"/>
+          </ac:cxnSpMkLst>
+        </pc:cxnChg>
+        <pc:cxnChg chg="mod">
+          <ac:chgData name="LEO Jacopo Maria" userId="665b09db-13aa-43ca-b6b5-4bcff6034c2e" providerId="ADAL" clId="{57998582-5903-4B0E-A9B9-6D107323BEDE}" dt="2022-07-11T16:31:36.691" v="1286" actId="14100"/>
+          <ac:cxnSpMkLst>
+            <pc:docMk/>
+            <pc:sldMk cId="1045176740" sldId="532"/>
+            <ac:cxnSpMk id="57" creationId="{A58959F3-FCEC-4652-C8F1-5BF7A2BB1369}"/>
+          </ac:cxnSpMkLst>
+        </pc:cxnChg>
+        <pc:cxnChg chg="add del mod">
+          <ac:chgData name="LEO Jacopo Maria" userId="665b09db-13aa-43ca-b6b5-4bcff6034c2e" providerId="ADAL" clId="{57998582-5903-4B0E-A9B9-6D107323BEDE}" dt="2022-07-11T16:31:36.151" v="1283"/>
+          <ac:cxnSpMkLst>
+            <pc:docMk/>
+            <pc:sldMk cId="1045176740" sldId="532"/>
+            <ac:cxnSpMk id="58" creationId="{53152345-D9B9-EF02-DB6E-14954E34ABD7}"/>
           </ac:cxnSpMkLst>
         </pc:cxnChg>
       </pc:sldChg>
@@ -1463,7 +1527,7 @@
           <a:p>
             <a:fld id="{F409E9C0-0B42-4280-966A-DC185D8783E2}" type="datetimeFigureOut">
               <a:rPr lang="en-US" smtClean="0"/>
-              <a:t>7/8/2022</a:t>
+              <a:t>7/11/2022</a:t>
             </a:fld>
             <a:endParaRPr lang="en-US" dirty="0"/>
           </a:p>
@@ -1693,7 +1757,7 @@
           <a:p>
             <a:fld id="{017BD45E-C776-4A59-9C45-01C399D0BF2F}" type="datetimeFigureOut">
               <a:rPr lang="en-US" smtClean="0"/>
-              <a:t>7/8/2022</a:t>
+              <a:t>7/11/2022</a:t>
             </a:fld>
             <a:endParaRPr lang="en-US"/>
           </a:p>
@@ -16814,7 +16878,7 @@
               </a:buClr>
             </a:pPr>
             <a:r>
-              <a:rPr lang="en-US" sz="1400">
+              <a:rPr lang="en-US" sz="1400" dirty="0">
                 <a:solidFill>
                   <a:schemeClr val="bg1"/>
                 </a:solidFill>
@@ -16943,7 +17007,7 @@
         </p:nvSpPr>
         <p:spPr>
           <a:xfrm>
-            <a:off x="7968021" y="1746950"/>
+            <a:off x="7840973" y="1712763"/>
             <a:ext cx="1927597" cy="254487"/>
           </a:xfrm>
           <a:prstGeom prst="rect">
@@ -16969,7 +17033,7 @@
               </a:buClr>
             </a:pPr>
             <a:r>
-              <a:rPr lang="en-US" sz="1400">
+              <a:rPr lang="en-US" sz="1400" dirty="0">
                 <a:solidFill>
                   <a:schemeClr val="bg1"/>
                 </a:solidFill>
@@ -17134,111 +17198,6 @@
           </a:p>
         </p:txBody>
       </p:sp>
-      <p:grpSp>
-        <p:nvGrpSpPr>
-          <p:cNvPr id="23" name="Group 22">
-            <a:extLst>
-              <a:ext uri="{FF2B5EF4-FFF2-40B4-BE49-F238E27FC236}">
-                <a16:creationId xmlns:a16="http://schemas.microsoft.com/office/drawing/2014/main" id="{D67BA1BB-3B25-1227-FD06-10985ED24F08}"/>
-              </a:ext>
-            </a:extLst>
-          </p:cNvPr>
-          <p:cNvGrpSpPr/>
-          <p:nvPr/>
-        </p:nvGrpSpPr>
-        <p:grpSpPr>
-          <a:xfrm>
-            <a:off x="7228588" y="2145457"/>
-            <a:ext cx="2441" cy="302767"/>
-            <a:chOff x="5923770" y="1943894"/>
-            <a:chExt cx="2441" cy="302767"/>
-          </a:xfrm>
-        </p:grpSpPr>
-        <p:cxnSp>
-          <p:nvCxnSpPr>
-            <p:cNvPr id="24" name="Straight Arrow Connector 23">
-              <a:extLst>
-                <a:ext uri="{FF2B5EF4-FFF2-40B4-BE49-F238E27FC236}">
-                  <a16:creationId xmlns:a16="http://schemas.microsoft.com/office/drawing/2014/main" id="{3EF1F8EE-BE4B-A296-CCF0-263C3B5CA2A4}"/>
-                </a:ext>
-              </a:extLst>
-            </p:cNvPr>
-            <p:cNvCxnSpPr>
-              <a:cxnSpLocks/>
-            </p:cNvCxnSpPr>
-            <p:nvPr/>
-          </p:nvCxnSpPr>
-          <p:spPr>
-            <a:xfrm>
-              <a:off x="5923770" y="1943894"/>
-              <a:ext cx="0" cy="149788"/>
-            </a:xfrm>
-            <a:prstGeom prst="straightConnector1">
-              <a:avLst/>
-            </a:prstGeom>
-            <a:ln w="19050">
-              <a:headEnd type="none"/>
-              <a:tailEnd type="triangle"/>
-            </a:ln>
-          </p:spPr>
-          <p:style>
-            <a:lnRef idx="1">
-              <a:schemeClr val="accent1"/>
-            </a:lnRef>
-            <a:fillRef idx="0">
-              <a:schemeClr val="accent1"/>
-            </a:fillRef>
-            <a:effectRef idx="0">
-              <a:schemeClr val="accent1"/>
-            </a:effectRef>
-            <a:fontRef idx="minor">
-              <a:schemeClr val="tx1"/>
-            </a:fontRef>
-          </p:style>
-        </p:cxnSp>
-        <p:cxnSp>
-          <p:nvCxnSpPr>
-            <p:cNvPr id="25" name="Straight Arrow Connector 24">
-              <a:extLst>
-                <a:ext uri="{FF2B5EF4-FFF2-40B4-BE49-F238E27FC236}">
-                  <a16:creationId xmlns:a16="http://schemas.microsoft.com/office/drawing/2014/main" id="{B2949D8E-8454-900C-718D-47AE59DEF946}"/>
-                </a:ext>
-              </a:extLst>
-            </p:cNvPr>
-            <p:cNvCxnSpPr>
-              <a:cxnSpLocks/>
-            </p:cNvCxnSpPr>
-            <p:nvPr/>
-          </p:nvCxnSpPr>
-          <p:spPr>
-            <a:xfrm flipV="1">
-              <a:off x="5924608" y="2120224"/>
-              <a:ext cx="1603" cy="126437"/>
-            </a:xfrm>
-            <a:prstGeom prst="straightConnector1">
-              <a:avLst/>
-            </a:prstGeom>
-            <a:ln w="19050">
-              <a:headEnd type="none"/>
-              <a:tailEnd type="triangle"/>
-            </a:ln>
-          </p:spPr>
-          <p:style>
-            <a:lnRef idx="1">
-              <a:schemeClr val="accent1"/>
-            </a:lnRef>
-            <a:fillRef idx="0">
-              <a:schemeClr val="accent1"/>
-            </a:fillRef>
-            <a:effectRef idx="0">
-              <a:schemeClr val="accent1"/>
-            </a:effectRef>
-            <a:fontRef idx="minor">
-              <a:schemeClr val="tx1"/>
-            </a:fontRef>
-          </p:style>
-        </p:cxnSp>
-      </p:grpSp>
       <p:sp>
         <p:nvSpPr>
           <p:cNvPr id="26" name="TextBox 25">
@@ -17253,7 +17212,7 @@
         </p:nvSpPr>
         <p:spPr>
           <a:xfrm>
-            <a:off x="6107031" y="1820266"/>
+            <a:off x="6155544" y="1818313"/>
             <a:ext cx="2204694" cy="231296"/>
           </a:xfrm>
           <a:prstGeom prst="rect">
@@ -18206,6 +18165,111 @@
           </a:p>
         </p:txBody>
       </p:sp>
+      <p:grpSp>
+        <p:nvGrpSpPr>
+          <p:cNvPr id="48" name="Group 47">
+            <a:extLst>
+              <a:ext uri="{FF2B5EF4-FFF2-40B4-BE49-F238E27FC236}">
+                <a16:creationId xmlns:a16="http://schemas.microsoft.com/office/drawing/2014/main" id="{7F703BB6-F942-36D8-8EE8-7CECACC06A80}"/>
+              </a:ext>
+            </a:extLst>
+          </p:cNvPr>
+          <p:cNvGrpSpPr/>
+          <p:nvPr/>
+        </p:nvGrpSpPr>
+        <p:grpSpPr>
+          <a:xfrm>
+            <a:off x="7226985" y="2147018"/>
+            <a:ext cx="2482" cy="293508"/>
+            <a:chOff x="5909273" y="1886298"/>
+            <a:chExt cx="2482" cy="293508"/>
+          </a:xfrm>
+        </p:grpSpPr>
+        <p:cxnSp>
+          <p:nvCxnSpPr>
+            <p:cNvPr id="50" name="Straight Arrow Connector 49">
+              <a:extLst>
+                <a:ext uri="{FF2B5EF4-FFF2-40B4-BE49-F238E27FC236}">
+                  <a16:creationId xmlns:a16="http://schemas.microsoft.com/office/drawing/2014/main" id="{663DFFCC-F904-806F-D402-565118B2AC36}"/>
+                </a:ext>
+              </a:extLst>
+            </p:cNvPr>
+            <p:cNvCxnSpPr>
+              <a:cxnSpLocks/>
+            </p:cNvCxnSpPr>
+            <p:nvPr/>
+          </p:nvCxnSpPr>
+          <p:spPr>
+            <a:xfrm>
+              <a:off x="5911755" y="1886298"/>
+              <a:ext cx="0" cy="149788"/>
+            </a:xfrm>
+            <a:prstGeom prst="straightConnector1">
+              <a:avLst/>
+            </a:prstGeom>
+            <a:ln w="19050">
+              <a:headEnd type="none"/>
+              <a:tailEnd type="triangle"/>
+            </a:ln>
+          </p:spPr>
+          <p:style>
+            <a:lnRef idx="1">
+              <a:schemeClr val="accent1"/>
+            </a:lnRef>
+            <a:fillRef idx="0">
+              <a:schemeClr val="accent1"/>
+            </a:fillRef>
+            <a:effectRef idx="0">
+              <a:schemeClr val="accent1"/>
+            </a:effectRef>
+            <a:fontRef idx="minor">
+              <a:schemeClr val="tx1"/>
+            </a:fontRef>
+          </p:style>
+        </p:cxnSp>
+        <p:cxnSp>
+          <p:nvCxnSpPr>
+            <p:cNvPr id="51" name="Straight Arrow Connector 50">
+              <a:extLst>
+                <a:ext uri="{FF2B5EF4-FFF2-40B4-BE49-F238E27FC236}">
+                  <a16:creationId xmlns:a16="http://schemas.microsoft.com/office/drawing/2014/main" id="{4D1EA3BD-482E-D766-D58F-2903EF81E7D1}"/>
+                </a:ext>
+              </a:extLst>
+            </p:cNvPr>
+            <p:cNvCxnSpPr>
+              <a:cxnSpLocks/>
+            </p:cNvCxnSpPr>
+            <p:nvPr/>
+          </p:nvCxnSpPr>
+          <p:spPr>
+            <a:xfrm flipV="1">
+              <a:off x="5909273" y="2053369"/>
+              <a:ext cx="1603" cy="126437"/>
+            </a:xfrm>
+            <a:prstGeom prst="straightConnector1">
+              <a:avLst/>
+            </a:prstGeom>
+            <a:ln w="19050">
+              <a:headEnd type="none"/>
+              <a:tailEnd type="triangle"/>
+            </a:ln>
+          </p:spPr>
+          <p:style>
+            <a:lnRef idx="1">
+              <a:schemeClr val="accent1"/>
+            </a:lnRef>
+            <a:fillRef idx="0">
+              <a:schemeClr val="accent1"/>
+            </a:fillRef>
+            <a:effectRef idx="0">
+              <a:schemeClr val="accent1"/>
+            </a:effectRef>
+            <a:fontRef idx="minor">
+              <a:schemeClr val="tx1"/>
+            </a:fontRef>
+          </p:style>
+        </p:cxnSp>
+      </p:grpSp>
     </p:spTree>
     <p:extLst>
       <p:ext uri="{BB962C8B-B14F-4D97-AF65-F5344CB8AC3E}">
